--- a/NodeJS.pptx
+++ b/NodeJS.pptx
@@ -18,6 +18,7 @@
     <p:sldId id="262" r:id="rId12"/>
     <p:sldId id="264" r:id="rId13"/>
     <p:sldId id="265" r:id="rId14"/>
+    <p:sldId id="269" r:id="rId15"/>
   </p:sldIdLst>
   <p:sldSz cx="12192000" cy="6858000"/>
   <p:notesSz cx="6858000" cy="9144000"/>
@@ -551,7 +552,7 @@
           <a:p>
             <a:fld id="{CDA15FD5-A026-46A8-9FB1-9CE526C9411B}" type="datetimeFigureOut">
               <a:rPr lang="en-US" smtClean="0"/>
-              <a:t>5/3/2022</a:t>
+              <a:t>5/7/2022</a:t>
             </a:fld>
             <a:endParaRPr lang="en-US"/>
           </a:p>
@@ -749,7 +750,7 @@
           <a:p>
             <a:fld id="{CDA15FD5-A026-46A8-9FB1-9CE526C9411B}" type="datetimeFigureOut">
               <a:rPr lang="en-US" smtClean="0"/>
-              <a:t>5/3/2022</a:t>
+              <a:t>5/7/2022</a:t>
             </a:fld>
             <a:endParaRPr lang="en-US"/>
           </a:p>
@@ -957,7 +958,7 @@
           <a:p>
             <a:fld id="{CDA15FD5-A026-46A8-9FB1-9CE526C9411B}" type="datetimeFigureOut">
               <a:rPr lang="en-US" smtClean="0"/>
-              <a:t>5/3/2022</a:t>
+              <a:t>5/7/2022</a:t>
             </a:fld>
             <a:endParaRPr lang="en-US"/>
           </a:p>
@@ -1155,7 +1156,7 @@
           <a:p>
             <a:fld id="{CDA15FD5-A026-46A8-9FB1-9CE526C9411B}" type="datetimeFigureOut">
               <a:rPr lang="en-US" smtClean="0"/>
-              <a:t>5/3/2022</a:t>
+              <a:t>5/7/2022</a:t>
             </a:fld>
             <a:endParaRPr lang="en-US"/>
           </a:p>
@@ -1430,7 +1431,7 @@
           <a:p>
             <a:fld id="{CDA15FD5-A026-46A8-9FB1-9CE526C9411B}" type="datetimeFigureOut">
               <a:rPr lang="en-US" smtClean="0"/>
-              <a:t>5/3/2022</a:t>
+              <a:t>5/7/2022</a:t>
             </a:fld>
             <a:endParaRPr lang="en-US"/>
           </a:p>
@@ -1695,7 +1696,7 @@
           <a:p>
             <a:fld id="{CDA15FD5-A026-46A8-9FB1-9CE526C9411B}" type="datetimeFigureOut">
               <a:rPr lang="en-US" smtClean="0"/>
-              <a:t>5/3/2022</a:t>
+              <a:t>5/7/2022</a:t>
             </a:fld>
             <a:endParaRPr lang="en-US"/>
           </a:p>
@@ -2107,7 +2108,7 @@
           <a:p>
             <a:fld id="{CDA15FD5-A026-46A8-9FB1-9CE526C9411B}" type="datetimeFigureOut">
               <a:rPr lang="en-US" smtClean="0"/>
-              <a:t>5/3/2022</a:t>
+              <a:t>5/7/2022</a:t>
             </a:fld>
             <a:endParaRPr lang="en-US"/>
           </a:p>
@@ -2248,7 +2249,7 @@
           <a:p>
             <a:fld id="{CDA15FD5-A026-46A8-9FB1-9CE526C9411B}" type="datetimeFigureOut">
               <a:rPr lang="en-US" smtClean="0"/>
-              <a:t>5/3/2022</a:t>
+              <a:t>5/7/2022</a:t>
             </a:fld>
             <a:endParaRPr lang="en-US"/>
           </a:p>
@@ -2361,7 +2362,7 @@
           <a:p>
             <a:fld id="{CDA15FD5-A026-46A8-9FB1-9CE526C9411B}" type="datetimeFigureOut">
               <a:rPr lang="en-US" smtClean="0"/>
-              <a:t>5/3/2022</a:t>
+              <a:t>5/7/2022</a:t>
             </a:fld>
             <a:endParaRPr lang="en-US"/>
           </a:p>
@@ -2672,7 +2673,7 @@
           <a:p>
             <a:fld id="{CDA15FD5-A026-46A8-9FB1-9CE526C9411B}" type="datetimeFigureOut">
               <a:rPr lang="en-US" smtClean="0"/>
-              <a:t>5/3/2022</a:t>
+              <a:t>5/7/2022</a:t>
             </a:fld>
             <a:endParaRPr lang="en-US"/>
           </a:p>
@@ -2960,7 +2961,7 @@
           <a:p>
             <a:fld id="{CDA15FD5-A026-46A8-9FB1-9CE526C9411B}" type="datetimeFigureOut">
               <a:rPr lang="en-US" smtClean="0"/>
-              <a:t>5/3/2022</a:t>
+              <a:t>5/7/2022</a:t>
             </a:fld>
             <a:endParaRPr lang="en-US"/>
           </a:p>
@@ -3201,7 +3202,7 @@
           <a:p>
             <a:fld id="{CDA15FD5-A026-46A8-9FB1-9CE526C9411B}" type="datetimeFigureOut">
               <a:rPr lang="en-US" smtClean="0"/>
-              <a:t>5/3/2022</a:t>
+              <a:t>5/7/2022</a:t>
             </a:fld>
             <a:endParaRPr lang="en-US"/>
           </a:p>
@@ -5298,6 +5299,271 @@
 </p:sld>
 </file>
 
+<file path=ppt/slides/slide14.xml><?xml version="1.0" encoding="utf-8"?>
+<p:sld xmlns:a="http://schemas.openxmlformats.org/drawingml/2006/main" xmlns:r="http://schemas.openxmlformats.org/officeDocument/2006/relationships" xmlns:p="http://schemas.openxmlformats.org/presentationml/2006/main">
+  <p:cSld>
+    <p:bg>
+      <p:bgPr>
+        <a:solidFill>
+          <a:schemeClr val="bg1"/>
+        </a:solidFill>
+        <a:effectLst/>
+      </p:bgPr>
+    </p:bg>
+    <p:spTree>
+      <p:nvGrpSpPr>
+        <p:cNvPr id="1" name=""/>
+        <p:cNvGrpSpPr/>
+        <p:nvPr/>
+      </p:nvGrpSpPr>
+      <p:grpSpPr>
+        <a:xfrm>
+          <a:off x="0" y="0"/>
+          <a:ext cx="0" cy="0"/>
+          <a:chOff x="0" y="0"/>
+          <a:chExt cx="0" cy="0"/>
+        </a:xfrm>
+      </p:grpSpPr>
+      <p:sp>
+        <p:nvSpPr>
+          <p:cNvPr id="10" name="Rectangle 9">
+            <a:extLst>
+              <a:ext uri="{FF2B5EF4-FFF2-40B4-BE49-F238E27FC236}">
+                <a16:creationId xmlns:a16="http://schemas.microsoft.com/office/drawing/2014/main" id="{823AC064-BC96-4F32-8AE1-B2FD38754823}"/>
+              </a:ext>
+              <a:ext uri="{C183D7F6-B498-43B3-948B-1728B52AA6E4}">
+                <adec:decorative xmlns:adec="http://schemas.microsoft.com/office/drawing/2017/decorative" val="1"/>
+              </a:ext>
+            </a:extLst>
+          </p:cNvPr>
+          <p:cNvSpPr>
+            <a:spLocks noGrp="1" noRot="1" noChangeAspect="1" noMove="1" noResize="1" noEditPoints="1" noAdjustHandles="1" noChangeArrowheads="1" noChangeShapeType="1" noTextEdit="1"/>
+          </p:cNvSpPr>
+          <p:nvPr>
+            <p:extLst>
+              <p:ext uri="{386F3935-93C4-4BCD-93E2-E3B085C9AB24}">
+                <p16:designElem xmlns:p16="http://schemas.microsoft.com/office/powerpoint/2015/main" val="1"/>
+              </p:ext>
+            </p:extLst>
+          </p:nvPr>
+        </p:nvSpPr>
+        <p:spPr bwMode="ltGray">
+          <a:xfrm>
+            <a:off x="378068" y="343486"/>
+            <a:ext cx="11438793" cy="1844256"/>
+          </a:xfrm>
+          <a:prstGeom prst="rect">
+            <a:avLst/>
+          </a:prstGeom>
+          <a:solidFill>
+            <a:srgbClr val="404040"/>
+          </a:solidFill>
+          <a:ln w="127000" cap="sq" cmpd="thinThick">
+            <a:solidFill>
+              <a:srgbClr val="404040"/>
+            </a:solidFill>
+          </a:ln>
+        </p:spPr>
+        <p:style>
+          <a:lnRef idx="2">
+            <a:schemeClr val="accent1">
+              <a:shade val="50000"/>
+            </a:schemeClr>
+          </a:lnRef>
+          <a:fillRef idx="1">
+            <a:schemeClr val="accent1"/>
+          </a:fillRef>
+          <a:effectRef idx="0">
+            <a:schemeClr val="accent1"/>
+          </a:effectRef>
+          <a:fontRef idx="minor">
+            <a:schemeClr val="lt1"/>
+          </a:fontRef>
+        </p:style>
+        <p:txBody>
+          <a:bodyPr rtlCol="0" anchor="ctr"/>
+          <a:lstStyle/>
+          <a:p>
+            <a:pPr marL="0" marR="0" lvl="0" indent="0" algn="ctr" defTabSz="914400" rtl="0" eaLnBrk="1" fontAlgn="auto" latinLnBrk="0" hangingPunct="1">
+              <a:lnSpc>
+                <a:spcPct val="100000"/>
+              </a:lnSpc>
+              <a:spcBef>
+                <a:spcPts val="0"/>
+              </a:spcBef>
+              <a:spcAft>
+                <a:spcPts val="0"/>
+              </a:spcAft>
+              <a:buClrTx/>
+              <a:buSzTx/>
+              <a:buFontTx/>
+              <a:buNone/>
+              <a:tabLst/>
+              <a:defRPr/>
+            </a:pPr>
+            <a:endParaRPr kumimoji="0" lang="en-US" sz="1800" b="0" i="0" u="none" strike="noStrike" kern="1200" cap="none" spc="0" normalizeH="0" baseline="0" noProof="0">
+              <a:ln>
+                <a:noFill/>
+              </a:ln>
+              <a:solidFill>
+                <a:prstClr val="white"/>
+              </a:solidFill>
+              <a:effectLst/>
+              <a:uLnTx/>
+              <a:uFillTx/>
+              <a:latin typeface="Calibri" panose="020F0502020204030204"/>
+              <a:ea typeface="+mn-ea"/>
+              <a:cs typeface="+mn-cs"/>
+            </a:endParaRPr>
+          </a:p>
+        </p:txBody>
+      </p:sp>
+      <p:sp>
+        <p:nvSpPr>
+          <p:cNvPr id="2" name="Title 1">
+            <a:extLst>
+              <a:ext uri="{FF2B5EF4-FFF2-40B4-BE49-F238E27FC236}">
+                <a16:creationId xmlns:a16="http://schemas.microsoft.com/office/drawing/2014/main" id="{61616405-4D54-4745-84B4-9C3246BDA616}"/>
+              </a:ext>
+            </a:extLst>
+          </p:cNvPr>
+          <p:cNvSpPr>
+            <a:spLocks noGrp="1"/>
+          </p:cNvSpPr>
+          <p:nvPr>
+            <p:ph type="title"/>
+          </p:nvPr>
+        </p:nvSpPr>
+        <p:spPr>
+          <a:xfrm>
+            <a:off x="526073" y="466578"/>
+            <a:ext cx="11139854" cy="930447"/>
+          </a:xfrm>
+        </p:spPr>
+        <p:txBody>
+          <a:bodyPr vert="horz" lIns="91440" tIns="45720" rIns="91440" bIns="45720" rtlCol="0" anchor="b">
+            <a:normAutofit/>
+          </a:bodyPr>
+          <a:lstStyle/>
+          <a:p>
+            <a:pPr algn="ctr"/>
+            <a:r>
+              <a:rPr lang="en-US" sz="5400" b="1" kern="1200">
+                <a:solidFill>
+                  <a:srgbClr val="FFFFFF"/>
+                </a:solidFill>
+                <a:latin typeface="+mj-lt"/>
+                <a:ea typeface="+mj-ea"/>
+                <a:cs typeface="+mj-cs"/>
+              </a:rPr>
+              <a:t>On Fn for Post request</a:t>
+            </a:r>
+          </a:p>
+        </p:txBody>
+      </p:sp>
+      <p:cxnSp>
+        <p:nvCxnSpPr>
+          <p:cNvPr id="12" name="Straight Connector 11">
+            <a:extLst>
+              <a:ext uri="{FF2B5EF4-FFF2-40B4-BE49-F238E27FC236}">
+                <a16:creationId xmlns:a16="http://schemas.microsoft.com/office/drawing/2014/main" id="{7E7C77BC-7138-40B1-A15B-20F57A494629}"/>
+              </a:ext>
+              <a:ext uri="{C183D7F6-B498-43B3-948B-1728B52AA6E4}">
+                <adec:decorative xmlns:adec="http://schemas.microsoft.com/office/drawing/2017/decorative" val="1"/>
+              </a:ext>
+            </a:extLst>
+          </p:cNvPr>
+          <p:cNvCxnSpPr>
+            <a:cxnSpLocks noGrp="1" noRot="1" noChangeAspect="1" noMove="1" noResize="1" noEditPoints="1" noAdjustHandles="1" noChangeArrowheads="1" noChangeShapeType="1"/>
+          </p:cNvCxnSpPr>
+          <p:nvPr>
+            <p:extLst>
+              <p:ext uri="{386F3935-93C4-4BCD-93E2-E3B085C9AB24}">
+                <p16:designElem xmlns:p16="http://schemas.microsoft.com/office/powerpoint/2015/main" val="1"/>
+              </p:ext>
+            </p:extLst>
+          </p:nvPr>
+        </p:nvCxnSpPr>
+        <p:spPr>
+          <a:xfrm>
+            <a:off x="2209800" y="1448631"/>
+            <a:ext cx="7772400" cy="0"/>
+          </a:xfrm>
+          <a:prstGeom prst="line">
+            <a:avLst/>
+          </a:prstGeom>
+          <a:ln w="22225">
+            <a:solidFill>
+              <a:srgbClr val="D9D9D9"/>
+            </a:solidFill>
+          </a:ln>
+        </p:spPr>
+        <p:style>
+          <a:lnRef idx="1">
+            <a:schemeClr val="accent1"/>
+          </a:lnRef>
+          <a:fillRef idx="0">
+            <a:schemeClr val="accent1"/>
+          </a:fillRef>
+          <a:effectRef idx="0">
+            <a:schemeClr val="accent1"/>
+          </a:effectRef>
+          <a:fontRef idx="minor">
+            <a:schemeClr val="tx1"/>
+          </a:fontRef>
+        </p:style>
+      </p:cxnSp>
+      <p:pic>
+        <p:nvPicPr>
+          <p:cNvPr id="5" name="Content Placeholder 4" descr="Text&#10;&#10;Description automatically generated">
+            <a:extLst>
+              <a:ext uri="{FF2B5EF4-FFF2-40B4-BE49-F238E27FC236}">
+                <a16:creationId xmlns:a16="http://schemas.microsoft.com/office/drawing/2014/main" id="{4E5E325C-E102-4DE9-AB8E-A88FD594CF77}"/>
+              </a:ext>
+            </a:extLst>
+          </p:cNvPr>
+          <p:cNvPicPr>
+            <a:picLocks noGrp="1" noChangeAspect="1"/>
+          </p:cNvPicPr>
+          <p:nvPr>
+            <p:ph idx="1"/>
+          </p:nvPr>
+        </p:nvPicPr>
+        <p:blipFill>
+          <a:blip r:embed="rId2">
+            <a:extLst>
+              <a:ext uri="{28A0092B-C50C-407E-A947-70E740481C1C}">
+                <a14:useLocalDpi xmlns:a14="http://schemas.microsoft.com/office/drawing/2010/main" val="0"/>
+              </a:ext>
+            </a:extLst>
+          </a:blip>
+          <a:stretch>
+            <a:fillRect/>
+          </a:stretch>
+        </p:blipFill>
+        <p:spPr>
+          <a:xfrm>
+            <a:off x="477351" y="2509911"/>
+            <a:ext cx="11182199" cy="3997637"/>
+          </a:xfrm>
+          <a:prstGeom prst="rect">
+            <a:avLst/>
+          </a:prstGeom>
+        </p:spPr>
+      </p:pic>
+    </p:spTree>
+    <p:extLst>
+      <p:ext uri="{BB962C8B-B14F-4D97-AF65-F5344CB8AC3E}">
+        <p14:creationId xmlns:p14="http://schemas.microsoft.com/office/powerpoint/2010/main" val="1343553102"/>
+      </p:ext>
+    </p:extLst>
+  </p:cSld>
+  <p:clrMapOvr>
+    <a:masterClrMapping/>
+  </p:clrMapOvr>
+</p:sld>
+</file>
+
 <file path=ppt/slides/slide2.xml><?xml version="1.0" encoding="utf-8"?>
 <p:sld xmlns:a="http://schemas.openxmlformats.org/drawingml/2006/main" xmlns:r="http://schemas.openxmlformats.org/officeDocument/2006/relationships" xmlns:p="http://schemas.openxmlformats.org/presentationml/2006/main">
   <p:cSld>
@@ -7404,590 +7670,72 @@
           <a:chExt cx="0" cy="0"/>
         </a:xfrm>
       </p:grpSpPr>
-      <p:sp>
-        <p:nvSpPr>
-          <p:cNvPr id="10" name="Rectangle 9">
-            <a:extLst>
-              <a:ext uri="{FF2B5EF4-FFF2-40B4-BE49-F238E27FC236}">
-                <a16:creationId xmlns:a16="http://schemas.microsoft.com/office/drawing/2014/main" id="{F3060C83-F051-4F0E-ABAD-AA0DFC48B218}"/>
-              </a:ext>
-              <a:ext uri="{C183D7F6-B498-43B3-948B-1728B52AA6E4}">
-                <adec:decorative xmlns:adec="http://schemas.microsoft.com/office/drawing/2017/decorative" val="1"/>
-              </a:ext>
-            </a:extLst>
-          </p:cNvPr>
-          <p:cNvSpPr>
-            <a:spLocks noGrp="1" noRot="1" noChangeAspect="1" noMove="1" noResize="1" noEditPoints="1" noAdjustHandles="1" noChangeArrowheads="1" noChangeShapeType="1" noTextEdit="1"/>
-          </p:cNvSpPr>
-          <p:nvPr>
-            <p:extLst>
-              <p:ext uri="{386F3935-93C4-4BCD-93E2-E3B085C9AB24}">
-                <p16:designElem xmlns:p16="http://schemas.microsoft.com/office/powerpoint/2015/main" val="1"/>
-              </p:ext>
-            </p:extLst>
-          </p:nvPr>
-        </p:nvSpPr>
-        <p:spPr>
-          <a:xfrm>
-            <a:off x="0" y="0"/>
-            <a:ext cx="12192000" cy="6858000"/>
-          </a:xfrm>
-          <a:prstGeom prst="rect">
-            <a:avLst/>
-          </a:prstGeom>
-          <a:solidFill>
-            <a:schemeClr val="bg1"/>
-          </a:solidFill>
-          <a:ln>
-            <a:noFill/>
-          </a:ln>
-        </p:spPr>
-        <p:style>
-          <a:lnRef idx="2">
-            <a:schemeClr val="accent1">
-              <a:shade val="50000"/>
-            </a:schemeClr>
-          </a:lnRef>
-          <a:fillRef idx="1">
-            <a:schemeClr val="accent1"/>
-          </a:fillRef>
-          <a:effectRef idx="0">
-            <a:schemeClr val="accent1"/>
-          </a:effectRef>
-          <a:fontRef idx="minor">
-            <a:schemeClr val="lt1"/>
-          </a:fontRef>
-        </p:style>
-        <p:txBody>
-          <a:bodyPr rtlCol="0" anchor="ctr"/>
-          <a:lstStyle/>
-          <a:p>
-            <a:pPr algn="ctr"/>
-            <a:endParaRPr lang="en-US" dirty="0"/>
-          </a:p>
-        </p:txBody>
-      </p:sp>
-      <p:sp>
-        <p:nvSpPr>
-          <p:cNvPr id="12" name="Freeform: Shape 11">
-            <a:extLst>
-              <a:ext uri="{FF2B5EF4-FFF2-40B4-BE49-F238E27FC236}">
-                <a16:creationId xmlns:a16="http://schemas.microsoft.com/office/drawing/2014/main" id="{83C98ABE-055B-441F-B07E-44F97F083C39}"/>
-              </a:ext>
-              <a:ext uri="{C183D7F6-B498-43B3-948B-1728B52AA6E4}">
-                <adec:decorative xmlns:adec="http://schemas.microsoft.com/office/drawing/2017/decorative" val="1"/>
-              </a:ext>
-            </a:extLst>
-          </p:cNvPr>
-          <p:cNvSpPr>
-            <a:spLocks noGrp="1" noRot="1" noChangeAspect="1" noMove="1" noResize="1" noEditPoints="1" noAdjustHandles="1" noChangeArrowheads="1" noChangeShapeType="1" noTextEdit="1"/>
-          </p:cNvSpPr>
-          <p:nvPr>
-            <p:extLst>
-              <p:ext uri="{386F3935-93C4-4BCD-93E2-E3B085C9AB24}">
-                <p16:designElem xmlns:p16="http://schemas.microsoft.com/office/powerpoint/2015/main" val="1"/>
-              </p:ext>
-            </p:extLst>
-          </p:nvPr>
-        </p:nvSpPr>
-        <p:spPr>
-          <a:xfrm rot="18900000" flipH="1">
-            <a:off x="-376156" y="-253670"/>
-            <a:ext cx="1827638" cy="1376989"/>
-          </a:xfrm>
-          <a:custGeom>
-            <a:avLst/>
-            <a:gdLst>
-              <a:gd name="connsiteX0" fmla="*/ 0 w 1827638"/>
-              <a:gd name="connsiteY0" fmla="*/ 987379 h 1376989"/>
-              <a:gd name="connsiteX1" fmla="*/ 987379 w 1827638"/>
-              <a:gd name="connsiteY1" fmla="*/ 0 h 1376989"/>
-              <a:gd name="connsiteX2" fmla="*/ 1827638 w 1827638"/>
-              <a:gd name="connsiteY2" fmla="*/ 840260 h 1376989"/>
-              <a:gd name="connsiteX3" fmla="*/ 1827638 w 1827638"/>
-              <a:gd name="connsiteY3" fmla="*/ 1376989 h 1376989"/>
-              <a:gd name="connsiteX4" fmla="*/ 0 w 1827638"/>
-              <a:gd name="connsiteY4" fmla="*/ 1376989 h 1376989"/>
-            </a:gdLst>
-            <a:ahLst/>
-            <a:cxnLst>
-              <a:cxn ang="0">
-                <a:pos x="connsiteX0" y="connsiteY0"/>
-              </a:cxn>
-              <a:cxn ang="0">
-                <a:pos x="connsiteX1" y="connsiteY1"/>
-              </a:cxn>
-              <a:cxn ang="0">
-                <a:pos x="connsiteX2" y="connsiteY2"/>
-              </a:cxn>
-              <a:cxn ang="0">
-                <a:pos x="connsiteX3" y="connsiteY3"/>
-              </a:cxn>
-              <a:cxn ang="0">
-                <a:pos x="connsiteX4" y="connsiteY4"/>
-              </a:cxn>
-            </a:cxnLst>
-            <a:rect l="l" t="t" r="r" b="b"/>
-            <a:pathLst>
-              <a:path w="1827638" h="1376989">
-                <a:moveTo>
-                  <a:pt x="0" y="987379"/>
-                </a:moveTo>
-                <a:lnTo>
-                  <a:pt x="987379" y="0"/>
-                </a:lnTo>
-                <a:lnTo>
-                  <a:pt x="1827638" y="840260"/>
-                </a:lnTo>
-                <a:lnTo>
-                  <a:pt x="1827638" y="1376989"/>
-                </a:lnTo>
-                <a:lnTo>
-                  <a:pt x="0" y="1376989"/>
-                </a:lnTo>
-                <a:close/>
-              </a:path>
-            </a:pathLst>
-          </a:custGeom>
-          <a:solidFill>
-            <a:schemeClr val="accent1">
-              <a:alpha val="30000"/>
-            </a:schemeClr>
-          </a:solidFill>
-          <a:ln>
-            <a:noFill/>
-          </a:ln>
-        </p:spPr>
-        <p:style>
-          <a:lnRef idx="2">
-            <a:schemeClr val="accent1">
-              <a:shade val="50000"/>
-            </a:schemeClr>
-          </a:lnRef>
-          <a:fillRef idx="1">
-            <a:schemeClr val="accent1"/>
-          </a:fillRef>
-          <a:effectRef idx="0">
-            <a:schemeClr val="accent1"/>
-          </a:effectRef>
-          <a:fontRef idx="minor">
-            <a:schemeClr val="lt1"/>
-          </a:fontRef>
-        </p:style>
-        <p:txBody>
-          <a:bodyPr rtlCol="0" anchor="ctr"/>
-          <a:lstStyle/>
-          <a:p>
-            <a:pPr algn="ctr"/>
-            <a:endParaRPr lang="en-US" dirty="0"/>
-          </a:p>
-        </p:txBody>
-      </p:sp>
-      <p:sp>
-        <p:nvSpPr>
-          <p:cNvPr id="14" name="Rectangle 13">
-            <a:extLst>
-              <a:ext uri="{FF2B5EF4-FFF2-40B4-BE49-F238E27FC236}">
-                <a16:creationId xmlns:a16="http://schemas.microsoft.com/office/drawing/2014/main" id="{29FDB030-9B49-4CED-8CCD-4D99382388AC}"/>
-              </a:ext>
-              <a:ext uri="{C183D7F6-B498-43B3-948B-1728B52AA6E4}">
-                <adec:decorative xmlns:adec="http://schemas.microsoft.com/office/drawing/2017/decorative" val="1"/>
-              </a:ext>
-            </a:extLst>
-          </p:cNvPr>
-          <p:cNvSpPr>
-            <a:spLocks noGrp="1" noRot="1" noChangeAspect="1" noMove="1" noResize="1" noEditPoints="1" noAdjustHandles="1" noChangeArrowheads="1" noChangeShapeType="1" noTextEdit="1"/>
-          </p:cNvSpPr>
-          <p:nvPr>
-            <p:extLst>
-              <p:ext uri="{386F3935-93C4-4BCD-93E2-E3B085C9AB24}">
-                <p16:designElem xmlns:p16="http://schemas.microsoft.com/office/powerpoint/2015/main" val="1"/>
-              </p:ext>
-            </p:extLst>
-          </p:nvPr>
-        </p:nvSpPr>
-        <p:spPr>
-          <a:xfrm rot="18900000" flipH="1">
-            <a:off x="891641" y="422146"/>
-            <a:ext cx="645368" cy="645368"/>
-          </a:xfrm>
-          <a:prstGeom prst="rect">
-            <a:avLst/>
-          </a:prstGeom>
-          <a:solidFill>
-            <a:schemeClr val="accent1">
-              <a:alpha val="30000"/>
-            </a:schemeClr>
-          </a:solidFill>
-          <a:ln>
-            <a:noFill/>
-          </a:ln>
-        </p:spPr>
-        <p:style>
-          <a:lnRef idx="2">
-            <a:schemeClr val="accent1">
-              <a:shade val="50000"/>
-            </a:schemeClr>
-          </a:lnRef>
-          <a:fillRef idx="1">
-            <a:schemeClr val="accent1"/>
-          </a:fillRef>
-          <a:effectRef idx="0">
-            <a:schemeClr val="accent1"/>
-          </a:effectRef>
-          <a:fontRef idx="minor">
-            <a:schemeClr val="lt1"/>
-          </a:fontRef>
-        </p:style>
-        <p:txBody>
-          <a:bodyPr rtlCol="0" anchor="ctr"/>
-          <a:lstStyle/>
-          <a:p>
-            <a:pPr algn="ctr"/>
-            <a:endParaRPr lang="en-US"/>
-          </a:p>
-        </p:txBody>
-      </p:sp>
-      <p:sp>
-        <p:nvSpPr>
-          <p:cNvPr id="16" name="Rectangle 15">
-            <a:extLst>
-              <a:ext uri="{FF2B5EF4-FFF2-40B4-BE49-F238E27FC236}">
-                <a16:creationId xmlns:a16="http://schemas.microsoft.com/office/drawing/2014/main" id="{3783CA14-24A1-485C-8B30-D6A5D87987AD}"/>
-              </a:ext>
-              <a:ext uri="{C183D7F6-B498-43B3-948B-1728B52AA6E4}">
-                <adec:decorative xmlns:adec="http://schemas.microsoft.com/office/drawing/2017/decorative" val="1"/>
-              </a:ext>
-            </a:extLst>
-          </p:cNvPr>
-          <p:cNvSpPr>
-            <a:spLocks noGrp="1" noRot="1" noChangeAspect="1" noMove="1" noResize="1" noEditPoints="1" noAdjustHandles="1" noChangeArrowheads="1" noChangeShapeType="1" noTextEdit="1"/>
-          </p:cNvSpPr>
-          <p:nvPr>
-            <p:extLst>
-              <p:ext uri="{386F3935-93C4-4BCD-93E2-E3B085C9AB24}">
-                <p16:designElem xmlns:p16="http://schemas.microsoft.com/office/powerpoint/2015/main" val="1"/>
-              </p:ext>
-            </p:extLst>
-          </p:nvPr>
-        </p:nvSpPr>
-        <p:spPr>
-          <a:xfrm rot="18900000" flipH="1">
-            <a:off x="10043482" y="655140"/>
-            <a:ext cx="687472" cy="687472"/>
-          </a:xfrm>
-          <a:prstGeom prst="rect">
-            <a:avLst/>
-          </a:prstGeom>
-          <a:solidFill>
-            <a:schemeClr val="accent4">
-              <a:alpha val="30000"/>
-            </a:schemeClr>
-          </a:solidFill>
-          <a:ln>
-            <a:noFill/>
-          </a:ln>
-        </p:spPr>
-        <p:style>
-          <a:lnRef idx="2">
-            <a:schemeClr val="accent1">
-              <a:shade val="50000"/>
-            </a:schemeClr>
-          </a:lnRef>
-          <a:fillRef idx="1">
-            <a:schemeClr val="accent1"/>
-          </a:fillRef>
-          <a:effectRef idx="0">
-            <a:schemeClr val="accent1"/>
-          </a:effectRef>
-          <a:fontRef idx="minor">
-            <a:schemeClr val="lt1"/>
-          </a:fontRef>
-        </p:style>
-        <p:txBody>
-          <a:bodyPr rtlCol="0" anchor="ctr"/>
-          <a:lstStyle/>
-          <a:p>
-            <a:pPr algn="ctr"/>
-            <a:endParaRPr lang="en-US"/>
-          </a:p>
-        </p:txBody>
-      </p:sp>
-      <p:sp>
-        <p:nvSpPr>
-          <p:cNvPr id="18" name="Freeform: Shape 17">
-            <a:extLst>
-              <a:ext uri="{FF2B5EF4-FFF2-40B4-BE49-F238E27FC236}">
-                <a16:creationId xmlns:a16="http://schemas.microsoft.com/office/drawing/2014/main" id="{9A97C86A-04D6-40F7-AE84-31AB43E6A846}"/>
-              </a:ext>
-              <a:ext uri="{C183D7F6-B498-43B3-948B-1728B52AA6E4}">
-                <adec:decorative xmlns:adec="http://schemas.microsoft.com/office/drawing/2017/decorative" val="1"/>
-              </a:ext>
-            </a:extLst>
-          </p:cNvPr>
-          <p:cNvSpPr>
-            <a:spLocks noGrp="1" noRot="1" noChangeAspect="1" noMove="1" noResize="1" noEditPoints="1" noAdjustHandles="1" noChangeArrowheads="1" noChangeShapeType="1" noTextEdit="1"/>
-          </p:cNvSpPr>
-          <p:nvPr>
-            <p:extLst>
-              <p:ext uri="{386F3935-93C4-4BCD-93E2-E3B085C9AB24}">
-                <p16:designElem xmlns:p16="http://schemas.microsoft.com/office/powerpoint/2015/main" val="1"/>
-              </p:ext>
-            </p:extLst>
-          </p:nvPr>
-        </p:nvSpPr>
-        <p:spPr>
-          <a:xfrm rot="10800000" flipH="1">
-            <a:off x="9356643" y="0"/>
-            <a:ext cx="2835357" cy="1480837"/>
-          </a:xfrm>
-          <a:custGeom>
-            <a:avLst/>
-            <a:gdLst>
-              <a:gd name="connsiteX0" fmla="*/ 2835357 w 2835357"/>
-              <a:gd name="connsiteY0" fmla="*/ 1480837 h 1480837"/>
-              <a:gd name="connsiteX1" fmla="*/ 0 w 2835357"/>
-              <a:gd name="connsiteY1" fmla="*/ 1480837 h 1480837"/>
-              <a:gd name="connsiteX2" fmla="*/ 1552727 w 2835357"/>
-              <a:gd name="connsiteY2" fmla="*/ 0 h 1480837"/>
-              <a:gd name="connsiteX3" fmla="*/ 2835357 w 2835357"/>
-              <a:gd name="connsiteY3" fmla="*/ 1223245 h 1480837"/>
-            </a:gdLst>
-            <a:ahLst/>
-            <a:cxnLst>
-              <a:cxn ang="0">
-                <a:pos x="connsiteX0" y="connsiteY0"/>
-              </a:cxn>
-              <a:cxn ang="0">
-                <a:pos x="connsiteX1" y="connsiteY1"/>
-              </a:cxn>
-              <a:cxn ang="0">
-                <a:pos x="connsiteX2" y="connsiteY2"/>
-              </a:cxn>
-              <a:cxn ang="0">
-                <a:pos x="connsiteX3" y="connsiteY3"/>
-              </a:cxn>
-            </a:cxnLst>
-            <a:rect l="l" t="t" r="r" b="b"/>
-            <a:pathLst>
-              <a:path w="2835357" h="1480837">
-                <a:moveTo>
-                  <a:pt x="2835357" y="1480837"/>
-                </a:moveTo>
-                <a:lnTo>
-                  <a:pt x="0" y="1480837"/>
-                </a:lnTo>
-                <a:lnTo>
-                  <a:pt x="1552727" y="0"/>
-                </a:lnTo>
-                <a:lnTo>
-                  <a:pt x="2835357" y="1223245"/>
-                </a:lnTo>
-                <a:close/>
-              </a:path>
-            </a:pathLst>
-          </a:custGeom>
-          <a:solidFill>
-            <a:schemeClr val="accent4">
-              <a:alpha val="30000"/>
-            </a:schemeClr>
-          </a:solidFill>
-          <a:ln>
-            <a:noFill/>
-          </a:ln>
-        </p:spPr>
-        <p:style>
-          <a:lnRef idx="2">
-            <a:schemeClr val="accent1">
-              <a:shade val="50000"/>
-            </a:schemeClr>
-          </a:lnRef>
-          <a:fillRef idx="1">
-            <a:schemeClr val="accent1"/>
-          </a:fillRef>
-          <a:effectRef idx="0">
-            <a:schemeClr val="accent1"/>
-          </a:effectRef>
-          <a:fontRef idx="minor">
-            <a:schemeClr val="lt1"/>
-          </a:fontRef>
-        </p:style>
-        <p:txBody>
-          <a:bodyPr wrap="square" rtlCol="0" anchor="ctr">
-            <a:noAutofit/>
-          </a:bodyPr>
-          <a:lstStyle/>
-          <a:p>
-            <a:pPr algn="ctr"/>
-            <a:endParaRPr lang="en-US" dirty="0"/>
-          </a:p>
-        </p:txBody>
-      </p:sp>
-      <p:sp>
-        <p:nvSpPr>
-          <p:cNvPr id="20" name="Isosceles Triangle 19">
-            <a:extLst>
-              <a:ext uri="{FF2B5EF4-FFF2-40B4-BE49-F238E27FC236}">
-                <a16:creationId xmlns:a16="http://schemas.microsoft.com/office/drawing/2014/main" id="{FF9F2414-84E8-453E-B1F3-389FDE8192D9}"/>
-              </a:ext>
-              <a:ext uri="{C183D7F6-B498-43B3-948B-1728B52AA6E4}">
-                <adec:decorative xmlns:adec="http://schemas.microsoft.com/office/drawing/2017/decorative" val="1"/>
-              </a:ext>
-            </a:extLst>
-          </p:cNvPr>
-          <p:cNvSpPr>
-            <a:spLocks noGrp="1" noRot="1" noChangeAspect="1" noMove="1" noResize="1" noEditPoints="1" noAdjustHandles="1" noChangeArrowheads="1" noChangeShapeType="1" noTextEdit="1"/>
-          </p:cNvSpPr>
-          <p:nvPr>
-            <p:extLst>
-              <p:ext uri="{386F3935-93C4-4BCD-93E2-E3B085C9AB24}">
-                <p16:designElem xmlns:p16="http://schemas.microsoft.com/office/powerpoint/2015/main" val="1"/>
-              </p:ext>
-            </p:extLst>
-          </p:nvPr>
-        </p:nvSpPr>
-        <p:spPr>
-          <a:xfrm flipH="1">
-            <a:off x="7976344" y="6115501"/>
-            <a:ext cx="1494513" cy="742499"/>
-          </a:xfrm>
-          <a:prstGeom prst="triangle">
-            <a:avLst/>
-          </a:prstGeom>
-          <a:solidFill>
-            <a:schemeClr val="accent1">
-              <a:alpha val="30000"/>
-            </a:schemeClr>
-          </a:solidFill>
-          <a:ln>
-            <a:noFill/>
-          </a:ln>
-        </p:spPr>
-        <p:style>
-          <a:lnRef idx="2">
-            <a:schemeClr val="accent1">
-              <a:shade val="50000"/>
-            </a:schemeClr>
-          </a:lnRef>
-          <a:fillRef idx="1">
-            <a:schemeClr val="accent1"/>
-          </a:fillRef>
-          <a:effectRef idx="0">
-            <a:schemeClr val="accent1"/>
-          </a:effectRef>
-          <a:fontRef idx="minor">
-            <a:schemeClr val="lt1"/>
-          </a:fontRef>
-        </p:style>
-        <p:txBody>
-          <a:bodyPr rtlCol="0" anchor="ctr"/>
-          <a:lstStyle/>
-          <a:p>
-            <a:pPr algn="ctr"/>
-            <a:endParaRPr lang="en-US"/>
-          </a:p>
-        </p:txBody>
-      </p:sp>
       <p:pic>
         <p:nvPicPr>
-          <p:cNvPr id="5" name="Content Placeholder 4">
-            <a:extLst>
-              <a:ext uri="{FF2B5EF4-FFF2-40B4-BE49-F238E27FC236}">
-                <a16:creationId xmlns:a16="http://schemas.microsoft.com/office/drawing/2014/main" id="{BD2BCF01-623D-47C9-ACEC-EE91BAEB8A6B}"/>
+          <p:cNvPr id="3" name="Picture 2" descr="A screenshot of a computer&#10;&#10;Description automatically generated with medium confidence">
+            <a:extLst>
+              <a:ext uri="{FF2B5EF4-FFF2-40B4-BE49-F238E27FC236}">
+                <a16:creationId xmlns:a16="http://schemas.microsoft.com/office/drawing/2014/main" id="{261349DC-AC24-4603-935F-0A7838CB5A3E}"/>
               </a:ext>
             </a:extLst>
           </p:cNvPr>
           <p:cNvPicPr>
-            <a:picLocks noGrp="1" noChangeAspect="1"/>
+            <a:picLocks noChangeAspect="1"/>
           </p:cNvPicPr>
-          <p:nvPr>
-            <p:ph idx="1"/>
-          </p:nvPr>
+          <p:nvPr/>
         </p:nvPicPr>
         <p:blipFill>
-          <a:blip r:embed="rId2"/>
+          <a:blip r:embed="rId2">
+            <a:extLst>
+              <a:ext uri="{28A0092B-C50C-407E-A947-70E740481C1C}">
+                <a14:useLocalDpi xmlns:a14="http://schemas.microsoft.com/office/drawing/2010/main" val="0"/>
+              </a:ext>
+            </a:extLst>
+          </a:blip>
           <a:stretch>
             <a:fillRect/>
           </a:stretch>
         </p:blipFill>
         <p:spPr>
           <a:xfrm>
-            <a:off x="1859449" y="643467"/>
-            <a:ext cx="8473101" cy="5571065"/>
+            <a:off x="2933192" y="4826330"/>
+            <a:ext cx="5682488" cy="2031670"/>
           </a:xfrm>
           <a:prstGeom prst="rect">
             <a:avLst/>
           </a:prstGeom>
-          <a:ln>
-            <a:noFill/>
-          </a:ln>
         </p:spPr>
       </p:pic>
-      <p:sp>
-        <p:nvSpPr>
-          <p:cNvPr id="22" name="Isosceles Triangle 21">
-            <a:extLst>
-              <a:ext uri="{FF2B5EF4-FFF2-40B4-BE49-F238E27FC236}">
-                <a16:creationId xmlns:a16="http://schemas.microsoft.com/office/drawing/2014/main" id="{3ECA69A1-7536-43AC-85EF-C7106179F5ED}"/>
-              </a:ext>
-              <a:ext uri="{C183D7F6-B498-43B3-948B-1728B52AA6E4}">
-                <adec:decorative xmlns:adec="http://schemas.microsoft.com/office/drawing/2017/decorative" val="1"/>
-              </a:ext>
-            </a:extLst>
-          </p:cNvPr>
-          <p:cNvSpPr>
-            <a:spLocks noGrp="1" noRot="1" noChangeAspect="1" noMove="1" noResize="1" noEditPoints="1" noAdjustHandles="1" noChangeArrowheads="1" noChangeShapeType="1" noTextEdit="1"/>
-          </p:cNvSpPr>
-          <p:nvPr>
-            <p:extLst>
-              <p:ext uri="{386F3935-93C4-4BCD-93E2-E3B085C9AB24}">
-                <p16:designElem xmlns:p16="http://schemas.microsoft.com/office/powerpoint/2015/main" val="1"/>
-              </p:ext>
-            </p:extLst>
-          </p:nvPr>
-        </p:nvSpPr>
+      <p:pic>
+        <p:nvPicPr>
+          <p:cNvPr id="5" name="Content Placeholder 4">
+            <a:extLst>
+              <a:ext uri="{FF2B5EF4-FFF2-40B4-BE49-F238E27FC236}">
+                <a16:creationId xmlns:a16="http://schemas.microsoft.com/office/drawing/2014/main" id="{BD2BCF01-623D-47C9-ACEC-EE91BAEB8A6B}"/>
+              </a:ext>
+            </a:extLst>
+          </p:cNvPr>
+          <p:cNvPicPr>
+            <a:picLocks noChangeAspect="1"/>
+          </p:cNvPicPr>
+          <p:nvPr/>
+        </p:nvPicPr>
+        <p:blipFill>
+          <a:blip r:embed="rId3"/>
+          <a:stretch>
+            <a:fillRect/>
+          </a:stretch>
+        </p:blipFill>
         <p:spPr>
-          <a:xfrm flipH="1">
-            <a:off x="7604080" y="6453143"/>
-            <a:ext cx="814903" cy="404857"/>
-          </a:xfrm>
-          <a:prstGeom prst="triangle">
+          <a:xfrm>
+            <a:off x="2528828" y="0"/>
+            <a:ext cx="7417688" cy="4877130"/>
+          </a:xfrm>
+          <a:prstGeom prst="rect">
             <a:avLst/>
           </a:prstGeom>
-          <a:solidFill>
-            <a:schemeClr val="accent1">
-              <a:alpha val="30000"/>
-            </a:schemeClr>
-          </a:solidFill>
-          <a:ln>
-            <a:noFill/>
-          </a:ln>
         </p:spPr>
-        <p:style>
-          <a:lnRef idx="2">
-            <a:schemeClr val="accent1">
-              <a:shade val="50000"/>
-            </a:schemeClr>
-          </a:lnRef>
-          <a:fillRef idx="1">
-            <a:schemeClr val="accent1"/>
-          </a:fillRef>
-          <a:effectRef idx="0">
-            <a:schemeClr val="accent1"/>
-          </a:effectRef>
-          <a:fontRef idx="minor">
-            <a:schemeClr val="lt1"/>
-          </a:fontRef>
-        </p:style>
-        <p:txBody>
-          <a:bodyPr rtlCol="0" anchor="ctr"/>
-          <a:lstStyle/>
-          <a:p>
-            <a:pPr algn="ctr"/>
-            <a:endParaRPr lang="en-US"/>
-          </a:p>
-        </p:txBody>
-      </p:sp>
+      </p:pic>
     </p:spTree>
     <p:extLst>
       <p:ext uri="{BB962C8B-B14F-4D97-AF65-F5344CB8AC3E}">
